--- a/day2/Day2_Report.pptx
+++ b/day2/Day2_Report.pptx
@@ -5,7 +5,7 @@
     <p:sldMasterId id="2147483648" r:id="rId1"/>
   </p:sldMasterIdLst>
   <p:notesMasterIdLst>
-    <p:notesMasterId r:id="rId14"/>
+    <p:notesMasterId r:id="rId15"/>
   </p:notesMasterIdLst>
   <p:sldIdLst>
     <p:sldId id="256" r:id="rId2"/>
@@ -20,6 +20,7 @@
     <p:sldId id="331" r:id="rId11"/>
     <p:sldId id="332" r:id="rId12"/>
     <p:sldId id="328" r:id="rId13"/>
+    <p:sldId id="333" r:id="rId14"/>
   </p:sldIdLst>
   <p:sldSz cx="12192000" cy="6858000"/>
   <p:notesSz cx="6858000" cy="9144000"/>
@@ -208,7 +209,7 @@
           <a:p>
             <a:fld id="{48F5969A-DF33-4E3D-B7AE-6D52B6F40D55}" type="datetimeFigureOut">
               <a:rPr lang="zh-CN" altLang="en-US" smtClean="0"/>
-              <a:t>2019/6/24</a:t>
+              <a:t>2019/6/25</a:t>
             </a:fld>
             <a:endParaRPr lang="zh-CN" altLang="en-US"/>
           </a:p>
@@ -1645,7 +1646,7 @@
           <a:p>
             <a:fld id="{14B67277-DF36-4274-A147-0DCA2721DE83}" type="datetimeFigureOut">
               <a:rPr lang="zh-CN" altLang="en-US" smtClean="0"/>
-              <a:t>2019/6/24</a:t>
+              <a:t>2019/6/25</a:t>
             </a:fld>
             <a:endParaRPr lang="zh-CN" altLang="en-US"/>
           </a:p>
@@ -1813,7 +1814,7 @@
           <a:p>
             <a:fld id="{14B67277-DF36-4274-A147-0DCA2721DE83}" type="datetimeFigureOut">
               <a:rPr lang="zh-CN" altLang="en-US" smtClean="0"/>
-              <a:t>2019/6/24</a:t>
+              <a:t>2019/6/25</a:t>
             </a:fld>
             <a:endParaRPr lang="zh-CN" altLang="en-US"/>
           </a:p>
@@ -1991,7 +1992,7 @@
           <a:p>
             <a:fld id="{14B67277-DF36-4274-A147-0DCA2721DE83}" type="datetimeFigureOut">
               <a:rPr lang="zh-CN" altLang="en-US" smtClean="0"/>
-              <a:t>2019/6/24</a:t>
+              <a:t>2019/6/25</a:t>
             </a:fld>
             <a:endParaRPr lang="zh-CN" altLang="en-US"/>
           </a:p>
@@ -2159,7 +2160,7 @@
           <a:p>
             <a:fld id="{14B67277-DF36-4274-A147-0DCA2721DE83}" type="datetimeFigureOut">
               <a:rPr lang="zh-CN" altLang="en-US" smtClean="0"/>
-              <a:t>2019/6/24</a:t>
+              <a:t>2019/6/25</a:t>
             </a:fld>
             <a:endParaRPr lang="zh-CN" altLang="en-US"/>
           </a:p>
@@ -2404,7 +2405,7 @@
           <a:p>
             <a:fld id="{14B67277-DF36-4274-A147-0DCA2721DE83}" type="datetimeFigureOut">
               <a:rPr lang="zh-CN" altLang="en-US" smtClean="0"/>
-              <a:t>2019/6/24</a:t>
+              <a:t>2019/6/25</a:t>
             </a:fld>
             <a:endParaRPr lang="zh-CN" altLang="en-US"/>
           </a:p>
@@ -2633,7 +2634,7 @@
           <a:p>
             <a:fld id="{14B67277-DF36-4274-A147-0DCA2721DE83}" type="datetimeFigureOut">
               <a:rPr lang="zh-CN" altLang="en-US" smtClean="0"/>
-              <a:t>2019/6/24</a:t>
+              <a:t>2019/6/25</a:t>
             </a:fld>
             <a:endParaRPr lang="zh-CN" altLang="en-US"/>
           </a:p>
@@ -2997,7 +2998,7 @@
           <a:p>
             <a:fld id="{14B67277-DF36-4274-A147-0DCA2721DE83}" type="datetimeFigureOut">
               <a:rPr lang="zh-CN" altLang="en-US" smtClean="0"/>
-              <a:t>2019/6/24</a:t>
+              <a:t>2019/6/25</a:t>
             </a:fld>
             <a:endParaRPr lang="zh-CN" altLang="en-US"/>
           </a:p>
@@ -3114,7 +3115,7 @@
           <a:p>
             <a:fld id="{14B67277-DF36-4274-A147-0DCA2721DE83}" type="datetimeFigureOut">
               <a:rPr lang="zh-CN" altLang="en-US" smtClean="0"/>
-              <a:t>2019/6/24</a:t>
+              <a:t>2019/6/25</a:t>
             </a:fld>
             <a:endParaRPr lang="zh-CN" altLang="en-US"/>
           </a:p>
@@ -3209,7 +3210,7 @@
           <a:p>
             <a:fld id="{14B67277-DF36-4274-A147-0DCA2721DE83}" type="datetimeFigureOut">
               <a:rPr lang="zh-CN" altLang="en-US" smtClean="0"/>
-              <a:t>2019/6/24</a:t>
+              <a:t>2019/6/25</a:t>
             </a:fld>
             <a:endParaRPr lang="zh-CN" altLang="en-US"/>
           </a:p>
@@ -3484,7 +3485,7 @@
           <a:p>
             <a:fld id="{14B67277-DF36-4274-A147-0DCA2721DE83}" type="datetimeFigureOut">
               <a:rPr lang="zh-CN" altLang="en-US" smtClean="0"/>
-              <a:t>2019/6/24</a:t>
+              <a:t>2019/6/25</a:t>
             </a:fld>
             <a:endParaRPr lang="zh-CN" altLang="en-US"/>
           </a:p>
@@ -3736,7 +3737,7 @@
           <a:p>
             <a:fld id="{14B67277-DF36-4274-A147-0DCA2721DE83}" type="datetimeFigureOut">
               <a:rPr lang="zh-CN" altLang="en-US" smtClean="0"/>
-              <a:t>2019/6/24</a:t>
+              <a:t>2019/6/25</a:t>
             </a:fld>
             <a:endParaRPr lang="zh-CN" altLang="en-US"/>
           </a:p>
@@ -3947,7 +3948,7 @@
           <a:p>
             <a:fld id="{14B67277-DF36-4274-A147-0DCA2721DE83}" type="datetimeFigureOut">
               <a:rPr lang="zh-CN" altLang="en-US" smtClean="0"/>
-              <a:t>2019/6/24</a:t>
+              <a:t>2019/6/25</a:t>
             </a:fld>
             <a:endParaRPr lang="zh-CN" altLang="en-US"/>
           </a:p>
@@ -4376,11 +4377,11 @@
           <a:p>
             <a:r>
               <a:rPr lang="en-US" altLang="zh-CN" b="1" dirty="0"/>
-              <a:t>Day 2 </a:t>
+              <a:t>LAGC SDK </a:t>
             </a:r>
             <a:r>
               <a:rPr lang="zh-CN" altLang="en-US" b="1" dirty="0"/>
-              <a:t>报告</a:t>
+              <a:t>测试报告</a:t>
             </a:r>
             <a:endParaRPr lang="en-US" altLang="zh-CN" b="1" dirty="0"/>
           </a:p>
@@ -4859,6 +4860,89 @@
 </p:sld>
 </file>
 
+<file path=ppt/slides/slide13.xml><?xml version="1.0" encoding="utf-8"?>
+<p:sld xmlns:a="http://schemas.openxmlformats.org/drawingml/2006/main" xmlns:r="http://schemas.openxmlformats.org/officeDocument/2006/relationships" xmlns:p="http://schemas.openxmlformats.org/presentationml/2006/main">
+  <p:cSld>
+    <p:spTree>
+      <p:nvGrpSpPr>
+        <p:cNvPr id="1" name=""/>
+        <p:cNvGrpSpPr/>
+        <p:nvPr/>
+      </p:nvGrpSpPr>
+      <p:grpSpPr>
+        <a:xfrm>
+          <a:off x="0" y="0"/>
+          <a:ext cx="0" cy="0"/>
+          <a:chOff x="0" y="0"/>
+          <a:chExt cx="0" cy="0"/>
+        </a:xfrm>
+      </p:grpSpPr>
+      <p:sp>
+        <p:nvSpPr>
+          <p:cNvPr id="6" name="Title 5">
+            <a:extLst>
+              <a:ext uri="{FF2B5EF4-FFF2-40B4-BE49-F238E27FC236}">
+                <a16:creationId xmlns:a16="http://schemas.microsoft.com/office/drawing/2014/main" id="{8F6F6E2B-BA14-4314-AC99-6600CE173D50}"/>
+              </a:ext>
+            </a:extLst>
+          </p:cNvPr>
+          <p:cNvSpPr>
+            <a:spLocks noGrp="1"/>
+          </p:cNvSpPr>
+          <p:nvPr>
+            <p:ph type="ctrTitle"/>
+          </p:nvPr>
+        </p:nvSpPr>
+        <p:spPr/>
+        <p:txBody>
+          <a:bodyPr/>
+          <a:lstStyle/>
+          <a:p>
+            <a:r>
+              <a:rPr lang="zh-CN" altLang="en-US" dirty="0"/>
+              <a:t>谢谢</a:t>
+            </a:r>
+          </a:p>
+        </p:txBody>
+      </p:sp>
+      <p:sp>
+        <p:nvSpPr>
+          <p:cNvPr id="7" name="Subtitle 6">
+            <a:extLst>
+              <a:ext uri="{FF2B5EF4-FFF2-40B4-BE49-F238E27FC236}">
+                <a16:creationId xmlns:a16="http://schemas.microsoft.com/office/drawing/2014/main" id="{797F3990-167D-4AF3-A7EC-F6BF839AC39D}"/>
+              </a:ext>
+            </a:extLst>
+          </p:cNvPr>
+          <p:cNvSpPr>
+            <a:spLocks noGrp="1"/>
+          </p:cNvSpPr>
+          <p:nvPr>
+            <p:ph type="subTitle" idx="1"/>
+          </p:nvPr>
+        </p:nvSpPr>
+        <p:spPr/>
+        <p:txBody>
+          <a:bodyPr/>
+          <a:lstStyle/>
+          <a:p>
+            <a:endParaRPr lang="zh-CN" altLang="en-US"/>
+          </a:p>
+        </p:txBody>
+      </p:sp>
+    </p:spTree>
+    <p:extLst>
+      <p:ext uri="{BB962C8B-B14F-4D97-AF65-F5344CB8AC3E}">
+        <p14:creationId xmlns:p14="http://schemas.microsoft.com/office/powerpoint/2010/main" val="3759902055"/>
+      </p:ext>
+    </p:extLst>
+  </p:cSld>
+  <p:clrMapOvr>
+    <a:masterClrMapping/>
+  </p:clrMapOvr>
+</p:sld>
+</file>
+
 <file path=ppt/slides/slide2.xml><?xml version="1.0" encoding="utf-8"?>
 <p:sld xmlns:a="http://schemas.openxmlformats.org/drawingml/2006/main" xmlns:r="http://schemas.openxmlformats.org/officeDocument/2006/relationships" xmlns:p="http://schemas.openxmlformats.org/presentationml/2006/main">
   <p:cSld>
@@ -4892,12 +4976,8 @@
           <a:lstStyle/>
           <a:p>
             <a:r>
-              <a:rPr lang="en-US" altLang="zh-CN" dirty="0"/>
-              <a:t>LAG</a:t>
-            </a:r>
-            <a:r>
               <a:rPr lang="zh-CN" altLang="en-US" dirty="0"/>
-              <a:t>积分合约</a:t>
+              <a:t>环境准备</a:t>
             </a:r>
           </a:p>
         </p:txBody>
@@ -4931,6 +5011,33 @@
               <a:rPr lang="en-US" altLang="zh-CN" dirty="0"/>
               <a:t>FISCO</a:t>
             </a:r>
+          </a:p>
+          <a:p>
+            <a:pPr>
+              <a:buFont typeface="Wingdings" panose="05000000000000000000" pitchFamily="2" charset="2"/>
+              <a:buChar char="ü"/>
+            </a:pPr>
+            <a:r>
+              <a:rPr lang="zh-CN" altLang="en-US" dirty="0"/>
+              <a:t>将证书文件下载到项目</a:t>
+            </a:r>
+            <a:r>
+              <a:rPr lang="en-US" altLang="zh-CN" dirty="0"/>
+              <a:t>test</a:t>
+            </a:r>
+            <a:r>
+              <a:rPr lang="zh-CN" altLang="en-US" dirty="0"/>
+              <a:t>文件中的</a:t>
+            </a:r>
+            <a:r>
+              <a:rPr lang="en-US" altLang="zh-CN" dirty="0"/>
+              <a:t>resources</a:t>
+            </a:r>
+            <a:r>
+              <a:rPr lang="zh-CN" altLang="en-US"/>
+              <a:t>文件夹下</a:t>
+            </a:r>
+            <a:endParaRPr lang="en-US" altLang="zh-CN"/>
           </a:p>
         </p:txBody>
       </p:sp>
@@ -5010,12 +5117,8 @@
           <a:lstStyle/>
           <a:p>
             <a:r>
-              <a:rPr lang="en-US" altLang="zh-CN" dirty="0"/>
-              <a:t>LAG</a:t>
-            </a:r>
-            <a:r>
               <a:rPr lang="zh-CN" altLang="en-US" dirty="0"/>
-              <a:t>积分合约</a:t>
+              <a:t>环境准备</a:t>
             </a:r>
           </a:p>
         </p:txBody>
@@ -5167,12 +5270,8 @@
           <a:lstStyle/>
           <a:p>
             <a:r>
-              <a:rPr lang="en-US" altLang="zh-CN" dirty="0"/>
-              <a:t>LAG</a:t>
-            </a:r>
-            <a:r>
               <a:rPr lang="zh-CN" altLang="en-US" dirty="0"/>
-              <a:t>积分合约</a:t>
+              <a:t>环境准备</a:t>
             </a:r>
           </a:p>
         </p:txBody>
